--- a/Project_1_presentation.pptx
+++ b/Project_1_presentation.pptx
@@ -5597,6 +5597,73 @@
               <a:t>Summarize where and how you found the data you used to answer these questions</a:t>
             </a:r>
           </a:p>
+          <a:p>
+            <a:pPr algn="l">
+              <a:buFont typeface="+mj-lt"/>
+              <a:buAutoNum type="arabicPeriod"/>
+            </a:pPr>
+            <a:r>
+              <a:rPr lang="en-US" b="0" i="0" dirty="0">
+                <a:solidFill>
+                  <a:srgbClr val="373A3C"/>
+                </a:solidFill>
+                <a:effectLst/>
+                <a:latin typeface="OpenSans"/>
+              </a:rPr>
+              <a:t>Importing COVID19 dataset and preparing it for the analysis by dropping columns and aggregating rows.</a:t>
+            </a:r>
+          </a:p>
+          <a:p>
+            <a:pPr algn="l">
+              <a:buFont typeface="+mj-lt"/>
+              <a:buAutoNum type="arabicPeriod"/>
+            </a:pPr>
+            <a:r>
+              <a:rPr lang="en-US" b="0" i="0" dirty="0">
+                <a:solidFill>
+                  <a:srgbClr val="373A3C"/>
+                </a:solidFill>
+                <a:effectLst/>
+                <a:latin typeface="OpenSans"/>
+              </a:rPr>
+              <a:t>Deciding on and calculating a good measure for our analysis.</a:t>
+            </a:r>
+          </a:p>
+          <a:p>
+            <a:pPr algn="l">
+              <a:buFont typeface="+mj-lt"/>
+              <a:buAutoNum type="arabicPeriod"/>
+            </a:pPr>
+            <a:r>
+              <a:rPr lang="en-US" b="0" i="0" dirty="0">
+                <a:solidFill>
+                  <a:srgbClr val="373A3C"/>
+                </a:solidFill>
+                <a:effectLst/>
+                <a:latin typeface="OpenSans"/>
+              </a:rPr>
+              <a:t>Merging datasets and finding correlations among our data.</a:t>
+            </a:r>
+          </a:p>
+          <a:p>
+            <a:pPr algn="l">
+              <a:buFont typeface="+mj-lt"/>
+              <a:buAutoNum type="arabicPeriod"/>
+            </a:pPr>
+            <a:r>
+              <a:rPr lang="en-US" b="0" i="0" dirty="0">
+                <a:solidFill>
+                  <a:srgbClr val="373A3C"/>
+                </a:solidFill>
+                <a:effectLst/>
+                <a:latin typeface="OpenSans"/>
+              </a:rPr>
+              <a:t>Visualizing our analysis results using Python and Pandas.</a:t>
+            </a:r>
+          </a:p>
+          <a:p>
+            <a:endParaRPr lang="en-US" dirty="0"/>
+          </a:p>
         </p:txBody>
       </p:sp>
     </p:spTree>
@@ -5983,6 +6050,33 @@
         <p:txBody>
           <a:bodyPr/>
           <a:lstStyle/>
+          <a:p>
+            <a:r>
+              <a:rPr lang="en-US" dirty="0"/>
+              <a:t>Data source: </a:t>
+            </a:r>
+          </a:p>
+          <a:p>
+            <a:pPr marL="0" indent="0">
+              <a:buNone/>
+            </a:pPr>
+            <a:r>
+              <a:rPr lang="en-US" dirty="0"/>
+              <a:t>	- CDC data (in csv format)</a:t>
+            </a:r>
+          </a:p>
+          <a:p>
+            <a:pPr marL="0" indent="0">
+              <a:buNone/>
+            </a:pPr>
+            <a:r>
+              <a:rPr lang="en-US" dirty="0"/>
+              <a:t>	- </a:t>
+            </a:r>
+          </a:p>
+          <a:p>
+            <a:endParaRPr lang="en-US" dirty="0"/>
+          </a:p>
           <a:p>
             <a:r>
               <a:rPr lang="en-US" dirty="0"/>
@@ -31295,44 +31389,8 @@
         </p:blipFill>
         <p:spPr>
           <a:xfrm>
-            <a:off x="4654295" y="855297"/>
-            <a:ext cx="7371449" cy="5116013"/>
-          </a:xfrm>
-          <a:prstGeom prst="rect">
-            <a:avLst/>
-          </a:prstGeom>
-        </p:spPr>
-      </p:pic>
-      <p:pic>
-        <p:nvPicPr>
-          <p:cNvPr id="3" name="Picture 2" descr="Chart&#10;&#10;Description automatically generated">
-            <a:extLst>
-              <a:ext uri="{FF2B5EF4-FFF2-40B4-BE49-F238E27FC236}">
-                <a16:creationId xmlns:a16="http://schemas.microsoft.com/office/drawing/2014/main" id="{4E7A4484-4890-472D-9DF1-F539C589B825}"/>
-              </a:ext>
-            </a:extLst>
-          </p:cNvPr>
-          <p:cNvPicPr>
-            <a:picLocks noChangeAspect="1"/>
-          </p:cNvPicPr>
-          <p:nvPr/>
-        </p:nvPicPr>
-        <p:blipFill>
-          <a:blip r:embed="rId3">
-            <a:extLst>
-              <a:ext uri="{28A0092B-C50C-407E-A947-70E740481C1C}">
-                <a14:useLocalDpi xmlns:a14="http://schemas.microsoft.com/office/drawing/2010/main" val="0"/>
-              </a:ext>
-            </a:extLst>
-          </a:blip>
-          <a:stretch>
-            <a:fillRect/>
-          </a:stretch>
-        </p:blipFill>
-        <p:spPr>
-          <a:xfrm>
-            <a:off x="484910" y="1514901"/>
-            <a:ext cx="4668982" cy="4304008"/>
+            <a:off x="5888486" y="855297"/>
+            <a:ext cx="5612236" cy="5116013"/>
           </a:xfrm>
           <a:prstGeom prst="rect">
             <a:avLst/>
@@ -31517,6 +31575,171 @@
           </a:fontRef>
         </p:style>
       </p:cxnSp>
+      <p:pic>
+        <p:nvPicPr>
+          <p:cNvPr id="4" name="Picture 3" descr="Chart, scatter chart&#10;&#10;Description automatically generated">
+            <a:extLst>
+              <a:ext uri="{FF2B5EF4-FFF2-40B4-BE49-F238E27FC236}">
+                <a16:creationId xmlns:a16="http://schemas.microsoft.com/office/drawing/2014/main" id="{2845970D-4C2B-472A-9FCF-0E234C73D434}"/>
+              </a:ext>
+            </a:extLst>
+          </p:cNvPr>
+          <p:cNvPicPr>
+            <a:picLocks noChangeAspect="1"/>
+          </p:cNvPicPr>
+          <p:nvPr/>
+        </p:nvPicPr>
+        <p:blipFill>
+          <a:blip r:embed="rId3">
+            <a:extLst>
+              <a:ext uri="{28A0092B-C50C-407E-A947-70E740481C1C}">
+                <a14:useLocalDpi xmlns:a14="http://schemas.microsoft.com/office/drawing/2010/main" val="0"/>
+              </a:ext>
+            </a:extLst>
+          </a:blip>
+          <a:stretch>
+            <a:fillRect/>
+          </a:stretch>
+        </p:blipFill>
+        <p:spPr>
+          <a:xfrm>
+            <a:off x="103285" y="1227954"/>
+            <a:ext cx="6473683" cy="4026716"/>
+          </a:xfrm>
+          <a:prstGeom prst="rect">
+            <a:avLst/>
+          </a:prstGeom>
+        </p:spPr>
+      </p:pic>
+      <p:sp>
+        <p:nvSpPr>
+          <p:cNvPr id="7" name="Rectangle 1">
+            <a:extLst>
+              <a:ext uri="{FF2B5EF4-FFF2-40B4-BE49-F238E27FC236}">
+                <a16:creationId xmlns:a16="http://schemas.microsoft.com/office/drawing/2014/main" id="{45AB1350-8F49-4018-90E5-1A0EAC6DCA94}"/>
+              </a:ext>
+            </a:extLst>
+          </p:cNvPr>
+          <p:cNvSpPr>
+            <a:spLocks noChangeArrowheads="1"/>
+          </p:cNvSpPr>
+          <p:nvPr/>
+        </p:nvSpPr>
+        <p:spPr bwMode="auto">
+          <a:xfrm>
+            <a:off x="0" y="90100"/>
+            <a:ext cx="65" cy="276999"/>
+          </a:xfrm>
+          <a:prstGeom prst="rect">
+            <a:avLst/>
+          </a:prstGeom>
+          <a:solidFill>
+            <a:srgbClr val="FFFFFF"/>
+          </a:solidFill>
+          <a:ln>
+            <a:noFill/>
+          </a:ln>
+          <a:effectLst/>
+          <a:extLst>
+            <a:ext uri="{91240B29-F687-4F45-9708-019B960494DF}">
+              <a14:hiddenLine xmlns:a14="http://schemas.microsoft.com/office/drawing/2010/main" w="9525">
+                <a:solidFill>
+                  <a:schemeClr val="tx1"/>
+                </a:solidFill>
+                <a:miter lim="800000"/>
+                <a:headEnd/>
+                <a:tailEnd/>
+              </a14:hiddenLine>
+            </a:ext>
+            <a:ext uri="{AF507438-7753-43E0-B8FC-AC1667EBCBE1}">
+              <a14:hiddenEffects xmlns:a14="http://schemas.microsoft.com/office/drawing/2010/main">
+                <a:effectLst>
+                  <a:outerShdw dist="35921" dir="2700000" algn="ctr" rotWithShape="0">
+                    <a:schemeClr val="bg2"/>
+                  </a:outerShdw>
+                </a:effectLst>
+              </a14:hiddenEffects>
+            </a:ext>
+          </a:extLst>
+        </p:spPr>
+        <p:txBody>
+          <a:bodyPr vert="horz" wrap="none" lIns="0" tIns="0" rIns="0" bIns="0" numCol="1" anchor="ctr" anchorCtr="0" compatLnSpc="1">
+            <a:prstTxWarp prst="textNoShape">
+              <a:avLst/>
+            </a:prstTxWarp>
+            <a:spAutoFit/>
+          </a:bodyPr>
+          <a:lstStyle/>
+          <a:p>
+            <a:pPr marL="0" marR="0" lvl="0" indent="0" algn="l" defTabSz="914400" rtl="0" eaLnBrk="0" fontAlgn="base" latinLnBrk="0" hangingPunct="0">
+              <a:lnSpc>
+                <a:spcPct val="100000"/>
+              </a:lnSpc>
+              <a:spcBef>
+                <a:spcPct val="0"/>
+              </a:spcBef>
+              <a:spcAft>
+                <a:spcPct val="0"/>
+              </a:spcAft>
+              <a:buClrTx/>
+              <a:buSzTx/>
+              <a:buFontTx/>
+              <a:buNone/>
+              <a:tabLst/>
+            </a:pPr>
+            <a:endParaRPr kumimoji="0" lang="en-US" altLang="en-US" sz="1800" b="0" i="0" u="none" strike="noStrike" cap="none" normalizeH="0" baseline="0" dirty="0">
+              <a:ln>
+                <a:noFill/>
+              </a:ln>
+              <a:solidFill>
+                <a:schemeClr val="tx1"/>
+              </a:solidFill>
+              <a:effectLst/>
+              <a:latin typeface="Arial" panose="020B0604020202020204" pitchFamily="34" charset="0"/>
+            </a:endParaRPr>
+          </a:p>
+        </p:txBody>
+      </p:sp>
+      <p:sp>
+        <p:nvSpPr>
+          <p:cNvPr id="8" name="TextBox 7">
+            <a:extLst>
+              <a:ext uri="{FF2B5EF4-FFF2-40B4-BE49-F238E27FC236}">
+                <a16:creationId xmlns:a16="http://schemas.microsoft.com/office/drawing/2014/main" id="{C9493C6C-50ED-46A1-8A66-57117D0744D9}"/>
+              </a:ext>
+            </a:extLst>
+          </p:cNvPr>
+          <p:cNvSpPr txBox="1"/>
+          <p:nvPr/>
+        </p:nvSpPr>
+        <p:spPr>
+          <a:xfrm>
+            <a:off x="612395" y="5264039"/>
+            <a:ext cx="5612235" cy="738664"/>
+          </a:xfrm>
+          <a:prstGeom prst="rect">
+            <a:avLst/>
+          </a:prstGeom>
+          <a:noFill/>
+        </p:spPr>
+        <p:txBody>
+          <a:bodyPr wrap="square" rtlCol="0">
+            <a:spAutoFit/>
+          </a:bodyPr>
+          <a:lstStyle/>
+          <a:p>
+            <a:r>
+              <a:rPr lang="en-US" sz="1400" b="1" dirty="0">
+                <a:solidFill>
+                  <a:srgbClr val="7030A0"/>
+                </a:solidFill>
+                <a:latin typeface="Arial Rounded MT Bold" panose="020F0704030504030204" pitchFamily="34" charset="0"/>
+              </a:rPr>
+              <a:t>As the statistics shows it can be estimated that the vaccination will be completed in about 521 days from the beginning, while remaining all other compounding factors unchanged.</a:t>
+            </a:r>
+          </a:p>
+        </p:txBody>
+      </p:sp>
     </p:spTree>
     <p:extLst>
       <p:ext uri="{BB962C8B-B14F-4D97-AF65-F5344CB8AC3E}">
@@ -32322,15 +32545,6 @@
 </file>
 
 <file path=customXml/item1.xml><?xml version="1.0" encoding="utf-8"?>
-<?mso-contentType ?>
-<FormTemplates xmlns="http://schemas.microsoft.com/sharepoint/v3/contenttype/forms">
-  <Display>DocumentLibraryForm</Display>
-  <Edit>DocumentLibraryForm</Edit>
-  <New>DocumentLibraryForm</New>
-</FormTemplates>
-</file>
-
-<file path=customXml/item2.xml><?xml version="1.0" encoding="utf-8"?>
 <ct:contentTypeSchema xmlns:ct="http://schemas.microsoft.com/office/2006/metadata/contentType" xmlns:ma="http://schemas.microsoft.com/office/2006/metadata/properties/metaAttributes" ct:_="" ma:_="" ma:contentTypeName="Document" ma:contentTypeID="0x01010079F111ED35F8CC479449609E8A0923A6" ma:contentTypeVersion="11" ma:contentTypeDescription="Create a new document." ma:contentTypeScope="" ma:versionID="9677210f24a1be23c92c90fd886aa0aa">
   <xsd:schema xmlns:xsd="http://www.w3.org/2001/XMLSchema" xmlns:xs="http://www.w3.org/2001/XMLSchema" xmlns:p="http://schemas.microsoft.com/office/2006/metadata/properties" xmlns:ns2="71af3243-3dd4-4a8d-8c0d-dd76da1f02a5" xmlns:ns3="16c05727-aa75-4e4a-9b5f-8a80a1165891" targetNamespace="http://schemas.microsoft.com/office/2006/metadata/properties" ma:root="true" ma:fieldsID="60e05723c5c1908df1a1a4ebf11d344e" ns2:_="" ns3:_="">
     <xsd:import namespace="71af3243-3dd4-4a8d-8c0d-dd76da1f02a5"/>
@@ -32541,7 +32755,7 @@
 </ct:contentTypeSchema>
 </file>
 
-<file path=customXml/item3.xml><?xml version="1.0" encoding="utf-8"?>
+<file path=customXml/item2.xml><?xml version="1.0" encoding="utf-8"?>
 <p:properties xmlns:p="http://schemas.microsoft.com/office/2006/metadata/properties" xmlns:xsi="http://www.w3.org/2001/XMLSchema-instance" xmlns:pc="http://schemas.microsoft.com/office/infopath/2007/PartnerControls">
   <documentManagement>
     <MediaServiceKeyPoints xmlns="71af3243-3dd4-4a8d-8c0d-dd76da1f02a5" xsi:nil="true"/>
@@ -32549,15 +32763,16 @@
 </p:properties>
 </file>
 
-<file path=customXml/itemProps1.xml><?xml version="1.0" encoding="utf-8"?>
-<ds:datastoreItem xmlns:ds="http://schemas.openxmlformats.org/officeDocument/2006/customXml" ds:itemID="{2FD05317-60D6-4B3A-8545-888496D1A8EC}">
-  <ds:schemaRefs>
-    <ds:schemaRef ds:uri="http://schemas.microsoft.com/sharepoint/v3/contenttype/forms"/>
-  </ds:schemaRefs>
-</ds:datastoreItem>
+<file path=customXml/item3.xml><?xml version="1.0" encoding="utf-8"?>
+<?mso-contentType ?>
+<FormTemplates xmlns="http://schemas.microsoft.com/sharepoint/v3/contenttype/forms">
+  <Display>DocumentLibraryForm</Display>
+  <Edit>DocumentLibraryForm</Edit>
+  <New>DocumentLibraryForm</New>
+</FormTemplates>
 </file>
 
-<file path=customXml/itemProps2.xml><?xml version="1.0" encoding="utf-8"?>
+<file path=customXml/itemProps1.xml><?xml version="1.0" encoding="utf-8"?>
 <ds:datastoreItem xmlns:ds="http://schemas.openxmlformats.org/officeDocument/2006/customXml" ds:itemID="{61A00BBF-EEBB-4E18-B8CB-F926EAAC48F7}">
   <ds:schemaRefs>
     <ds:schemaRef ds:uri="http://schemas.microsoft.com/office/2006/metadata/contentType"/>
@@ -32576,7 +32791,7 @@
 </ds:datastoreItem>
 </file>
 
-<file path=customXml/itemProps3.xml><?xml version="1.0" encoding="utf-8"?>
+<file path=customXml/itemProps2.xml><?xml version="1.0" encoding="utf-8"?>
 <ds:datastoreItem xmlns:ds="http://schemas.openxmlformats.org/officeDocument/2006/customXml" ds:itemID="{EF609EDA-869E-4BE5-AE5D-B898C584B6FF}">
   <ds:schemaRefs>
     <ds:schemaRef ds:uri="http://schemas.microsoft.com/office/2006/metadata/properties"/>
@@ -32584,4 +32799,12 @@
     <ds:schemaRef ds:uri="71af3243-3dd4-4a8d-8c0d-dd76da1f02a5"/>
   </ds:schemaRefs>
 </ds:datastoreItem>
+</file>
+
+<file path=customXml/itemProps3.xml><?xml version="1.0" encoding="utf-8"?>
+<ds:datastoreItem xmlns:ds="http://schemas.openxmlformats.org/officeDocument/2006/customXml" ds:itemID="{2FD05317-60D6-4B3A-8545-888496D1A8EC}">
+  <ds:schemaRefs>
+    <ds:schemaRef ds:uri="http://schemas.microsoft.com/sharepoint/v3/contenttype/forms"/>
+  </ds:schemaRefs>
+</ds:datastoreItem>
 </file>